--- a/MOD04-Introduccion_a_Java/01 Presentacion/INFO1_MOD4-Algoritmos_y_Diagramas.pptx
+++ b/MOD04-Introduccion_a_Java/01 Presentacion/INFO1_MOD4-Algoritmos_y_Diagramas.pptx
@@ -38,10 +38,10 @@
     <p:sldId id="290" r:id="rId32"/>
     <p:sldId id="291" r:id="rId33"/>
     <p:sldId id="292" r:id="rId34"/>
-    <p:sldId id="293" r:id="rId35"/>
-    <p:sldId id="294" r:id="rId36"/>
-    <p:sldId id="299" r:id="rId37"/>
-    <p:sldId id="300" r:id="rId38"/>
+    <p:sldId id="294" r:id="rId35"/>
+    <p:sldId id="299" r:id="rId36"/>
+    <p:sldId id="300" r:id="rId37"/>
+    <p:sldId id="293" r:id="rId38"/>
     <p:sldId id="295" r:id="rId39"/>
     <p:sldId id="296" r:id="rId40"/>
     <p:sldId id="297" r:id="rId41"/>
@@ -199,10 +199,10 @@
             <p14:sldId id="290"/>
             <p14:sldId id="291"/>
             <p14:sldId id="292"/>
-            <p14:sldId id="293"/>
             <p14:sldId id="294"/>
             <p14:sldId id="299"/>
             <p14:sldId id="300"/>
+            <p14:sldId id="293"/>
           </p14:sldIdLst>
         </p14:section>
         <p14:section name="Pseudocódigo" id="{A98AEEBB-A461-43BA-9BB8-6CDEB89F307A}">
@@ -387,7 +387,7 @@
             <a:fld id="{A8CFC892-7674-4263-9B21-5444F469832B}" type="datetimeFigureOut">
               <a:rPr lang="en-US" smtClean="0"/>
               <a:pPr/>
-              <a:t>9/9/2020</a:t>
+              <a:t>9/10/2020</a:t>
             </a:fld>
             <a:endParaRPr lang="en-US"/>
           </a:p>
@@ -954,7 +954,7 @@
           <a:p>
             <a:fld id="{A8CFC892-7674-4263-9B21-5444F469832B}" type="datetimeFigureOut">
               <a:rPr lang="en-US" smtClean="0"/>
-              <a:t>9/9/2020</a:t>
+              <a:t>9/10/2020</a:t>
             </a:fld>
             <a:endParaRPr lang="en-US"/>
           </a:p>
@@ -1421,7 +1421,7 @@
             <a:fld id="{A8CFC892-7674-4263-9B21-5444F469832B}" type="datetimeFigureOut">
               <a:rPr lang="en-US" smtClean="0"/>
               <a:pPr/>
-              <a:t>9/9/2020</a:t>
+              <a:t>9/10/2020</a:t>
             </a:fld>
             <a:endParaRPr lang="en-US"/>
           </a:p>
@@ -14095,81 +14095,6 @@
 </file>
 
 <file path=ppt/slides/slide34.xml><?xml version="1.0" encoding="utf-8"?>
-<p:sld xmlns:a="http://schemas.openxmlformats.org/drawingml/2006/main" xmlns:r="http://schemas.openxmlformats.org/officeDocument/2006/relationships" xmlns:p="http://schemas.openxmlformats.org/presentationml/2006/main">
-  <p:cSld>
-    <p:spTree>
-      <p:nvGrpSpPr>
-        <p:cNvPr id="1" name=""/>
-        <p:cNvGrpSpPr/>
-        <p:nvPr/>
-      </p:nvGrpSpPr>
-      <p:grpSpPr>
-        <a:xfrm>
-          <a:off x="0" y="0"/>
-          <a:ext cx="0" cy="0"/>
-          <a:chOff x="0" y="0"/>
-          <a:chExt cx="0" cy="0"/>
-        </a:xfrm>
-      </p:grpSpPr>
-      <p:sp>
-        <p:nvSpPr>
-          <p:cNvPr id="2" name="Title 1">
-            <a:extLst>
-              <a:ext uri="{FF2B5EF4-FFF2-40B4-BE49-F238E27FC236}">
-                <a16:creationId xmlns:a16="http://schemas.microsoft.com/office/drawing/2014/main" id="{48B60798-2429-43F8-85CA-D59994F369D9}"/>
-              </a:ext>
-            </a:extLst>
-          </p:cNvPr>
-          <p:cNvSpPr>
-            <a:spLocks noGrp="1"/>
-          </p:cNvSpPr>
-          <p:nvPr>
-            <p:ph type="title"/>
-          </p:nvPr>
-        </p:nvSpPr>
-        <p:spPr/>
-        <p:txBody>
-          <a:bodyPr/>
-          <a:lstStyle/>
-          <a:p>
-            <a:r>
-              <a:rPr lang="en-US" dirty="0" err="1"/>
-              <a:t>Ejercicio</a:t>
-            </a:r>
-            <a:r>
-              <a:rPr lang="en-US" dirty="0"/>
-              <a:t> </a:t>
-            </a:r>
-            <a:r>
-              <a:rPr lang="en-US" dirty="0" err="1"/>
-              <a:t>en</a:t>
-            </a:r>
-            <a:r>
-              <a:rPr lang="en-US" dirty="0"/>
-              <a:t> </a:t>
-            </a:r>
-            <a:r>
-              <a:rPr lang="en-US" dirty="0" err="1"/>
-              <a:t>Progranimate</a:t>
-            </a:r>
-            <a:endParaRPr lang="en-US" dirty="0"/>
-          </a:p>
-        </p:txBody>
-      </p:sp>
-    </p:spTree>
-    <p:extLst>
-      <p:ext uri="{BB962C8B-B14F-4D97-AF65-F5344CB8AC3E}">
-        <p14:creationId xmlns:p14="http://schemas.microsoft.com/office/powerpoint/2010/main" val="2920216866"/>
-      </p:ext>
-    </p:extLst>
-  </p:cSld>
-  <p:clrMapOvr>
-    <a:masterClrMapping/>
-  </p:clrMapOvr>
-</p:sld>
-</file>
-
-<file path=ppt/slides/slide35.xml><?xml version="1.0" encoding="utf-8"?>
 <p:sld xmlns:a="http://schemas.openxmlformats.org/drawingml/2006/main" xmlns:r="http://schemas.openxmlformats.org/officeDocument/2006/relationships" xmlns:p="http://schemas.openxmlformats.org/presentationml/2006/main">
   <p:cSld>
     <p:spTree>
@@ -14904,7 +14829,7 @@
 </p:sld>
 </file>
 
-<file path=ppt/slides/slide36.xml><?xml version="1.0" encoding="utf-8"?>
+<file path=ppt/slides/slide35.xml><?xml version="1.0" encoding="utf-8"?>
 <p:sld xmlns:a="http://schemas.openxmlformats.org/drawingml/2006/main" xmlns:r="http://schemas.openxmlformats.org/officeDocument/2006/relationships" xmlns:p="http://schemas.openxmlformats.org/presentationml/2006/main">
   <p:cSld>
     <p:spTree>
@@ -15611,7 +15536,7 @@
 </p:sld>
 </file>
 
-<file path=ppt/slides/slide37.xml><?xml version="1.0" encoding="utf-8"?>
+<file path=ppt/slides/slide36.xml><?xml version="1.0" encoding="utf-8"?>
 <p:sld xmlns:a="http://schemas.openxmlformats.org/drawingml/2006/main" xmlns:r="http://schemas.openxmlformats.org/officeDocument/2006/relationships" xmlns:p="http://schemas.openxmlformats.org/presentationml/2006/main">
   <p:cSld>
     <p:spTree>
@@ -15646,8 +15571,8 @@
         </p:nvSpPr>
         <p:spPr>
           <a:xfrm>
-            <a:off x="838199" y="476510"/>
-            <a:ext cx="11095382" cy="1246271"/>
+            <a:off x="838199" y="1"/>
+            <a:ext cx="11095382" cy="859536"/>
           </a:xfrm>
         </p:spPr>
         <p:txBody>
@@ -15655,10 +15580,10 @@
           <a:lstStyle/>
           <a:p>
             <a:r>
-              <a:rPr lang="es-MX" dirty="0"/>
+              <a:rPr lang="es-MX" sz="6000" dirty="0"/>
               <a:t>Ejercicio</a:t>
             </a:r>
-            <a:endParaRPr lang="en-US" dirty="0"/>
+            <a:endParaRPr lang="en-US" sz="6000" dirty="0"/>
           </a:p>
         </p:txBody>
       </p:sp>
@@ -15678,15 +15603,15 @@
         </p:nvSpPr>
         <p:spPr>
           <a:xfrm>
-            <a:off x="838199" y="1325216"/>
-            <a:ext cx="10180983" cy="5234333"/>
+            <a:off x="838199" y="859538"/>
+            <a:ext cx="10964477" cy="992314"/>
           </a:xfrm>
           <a:prstGeom prst="rect">
             <a:avLst/>
           </a:prstGeom>
         </p:spPr>
         <p:txBody>
-          <a:bodyPr anchor="ctr"/>
+          <a:bodyPr anchor="t"/>
           <a:lstStyle>
             <a:lvl1pPr marL="228600" indent="-228600" algn="l" defTabSz="914400" rtl="0" eaLnBrk="1" latinLnBrk="0" hangingPunct="1">
               <a:lnSpc>
@@ -15857,54 +15782,407 @@
               <a:buNone/>
             </a:pPr>
             <a:r>
-              <a:rPr lang="es-MX" sz="3600" dirty="0"/>
-              <a:t>Realiza un diagrama de flujo que reciba dos números enteros: </a:t>
-            </a:r>
-            <a:r>
-              <a:rPr lang="es-MX" sz="3600" b="1" i="1" dirty="0"/>
-              <a:t>num1 </a:t>
-            </a:r>
-            <a:r>
-              <a:rPr lang="es-MX" sz="3600" dirty="0"/>
-              <a:t>y </a:t>
-            </a:r>
-            <a:r>
-              <a:rPr lang="es-MX" sz="3600" b="1" i="1" dirty="0"/>
-              <a:t>num2</a:t>
-            </a:r>
-            <a:r>
-              <a:rPr lang="es-MX" sz="3600" dirty="0"/>
-              <a:t>. </a:t>
-            </a:r>
-          </a:p>
-          <a:p>
-            <a:pPr marL="0" indent="0">
-              <a:buFont typeface="Arial" panose="020B0604020202020204" pitchFamily="34" charset="0"/>
-              <a:buNone/>
-            </a:pPr>
-            <a:r>
-              <a:rPr lang="es-MX" sz="3600" dirty="0"/>
-              <a:t>Posteriormente, deberá contar e imprimir ascendentemente los números desde </a:t>
-            </a:r>
-            <a:r>
-              <a:rPr lang="es-MX" sz="3600" b="1" i="1" dirty="0"/>
-              <a:t>num1 </a:t>
-            </a:r>
-            <a:r>
-              <a:rPr lang="es-MX" sz="3600" dirty="0"/>
-              <a:t>hasta </a:t>
-            </a:r>
-            <a:r>
-              <a:rPr lang="es-MX" sz="3600" b="1" i="1" dirty="0"/>
-              <a:t>num2.</a:t>
-            </a:r>
+              <a:rPr lang="es-MX" dirty="0"/>
+              <a:t>Realiza un diagrama de flujo que permita calcular el costo de tu bebida en Starbucks. </a:t>
+            </a:r>
+          </a:p>
+        </p:txBody>
+      </p:sp>
+      <p:graphicFrame>
+        <p:nvGraphicFramePr>
+          <p:cNvPr id="12" name="Table 12">
+            <a:extLst>
+              <a:ext uri="{FF2B5EF4-FFF2-40B4-BE49-F238E27FC236}">
+                <a16:creationId xmlns:a16="http://schemas.microsoft.com/office/drawing/2014/main" id="{9B264D24-862A-4EC9-BC22-89CB9B579B43}"/>
+              </a:ext>
+            </a:extLst>
+          </p:cNvPr>
+          <p:cNvGraphicFramePr>
+            <a:graphicFrameLocks noGrp="1"/>
+          </p:cNvGraphicFramePr>
+          <p:nvPr>
+            <p:extLst>
+              <p:ext uri="{D42A27DB-BD31-4B8C-83A1-F6EECF244321}">
+                <p14:modId xmlns:p14="http://schemas.microsoft.com/office/powerpoint/2010/main" val="2341580675"/>
+              </p:ext>
+            </p:extLst>
+          </p:nvPr>
+        </p:nvGraphicFramePr>
+        <p:xfrm>
+          <a:off x="1471065" y="1921406"/>
+          <a:ext cx="8127999" cy="2123440"/>
+        </p:xfrm>
+        <a:graphic>
+          <a:graphicData uri="http://schemas.openxmlformats.org/drawingml/2006/table">
+            <a:tbl>
+              <a:tblPr firstRow="1" firstCol="1" bandRow="1">
+                <a:tableStyleId>{5C22544A-7EE6-4342-B048-85BDC9FD1C3A}</a:tableStyleId>
+              </a:tblPr>
+              <a:tblGrid>
+                <a:gridCol w="2709333">
+                  <a:extLst>
+                    <a:ext uri="{9D8B030D-6E8A-4147-A177-3AD203B41FA5}">
+                      <a16:colId xmlns:a16="http://schemas.microsoft.com/office/drawing/2014/main" val="259470951"/>
+                    </a:ext>
+                  </a:extLst>
+                </a:gridCol>
+                <a:gridCol w="2709333">
+                  <a:extLst>
+                    <a:ext uri="{9D8B030D-6E8A-4147-A177-3AD203B41FA5}">
+                      <a16:colId xmlns:a16="http://schemas.microsoft.com/office/drawing/2014/main" val="3264036291"/>
+                    </a:ext>
+                  </a:extLst>
+                </a:gridCol>
+                <a:gridCol w="2709333">
+                  <a:extLst>
+                    <a:ext uri="{9D8B030D-6E8A-4147-A177-3AD203B41FA5}">
+                      <a16:colId xmlns:a16="http://schemas.microsoft.com/office/drawing/2014/main" val="1517453405"/>
+                    </a:ext>
+                  </a:extLst>
+                </a:gridCol>
+              </a:tblGrid>
+              <a:tr h="370840">
+                <a:tc>
+                  <a:txBody>
+                    <a:bodyPr/>
+                    <a:lstStyle/>
+                    <a:p>
+                      <a:endParaRPr lang="en-US" dirty="0"/>
+                    </a:p>
+                  </a:txBody>
+                  <a:tcPr/>
+                </a:tc>
+                <a:tc>
+                  <a:txBody>
+                    <a:bodyPr/>
+                    <a:lstStyle/>
+                    <a:p>
+                      <a:pPr algn="ctr"/>
+                      <a:r>
+                        <a:rPr lang="es-MX" dirty="0" err="1"/>
+                        <a:t>Capuccino</a:t>
+                      </a:r>
+                      <a:endParaRPr lang="en-US" dirty="0"/>
+                    </a:p>
+                  </a:txBody>
+                  <a:tcPr/>
+                </a:tc>
+                <a:tc>
+                  <a:txBody>
+                    <a:bodyPr/>
+                    <a:lstStyle/>
+                    <a:p>
+                      <a:pPr algn="ctr"/>
+                      <a:r>
+                        <a:rPr lang="es-MX" dirty="0"/>
+                        <a:t>Frappuccino</a:t>
+                      </a:r>
+                      <a:endParaRPr lang="en-US" dirty="0"/>
+                    </a:p>
+                  </a:txBody>
+                  <a:tcPr/>
+                </a:tc>
+                <a:extLst>
+                  <a:ext uri="{0D108BD9-81ED-4DB2-BD59-A6C34878D82A}">
+                    <a16:rowId xmlns:a16="http://schemas.microsoft.com/office/drawing/2014/main" val="2918938424"/>
+                  </a:ext>
+                </a:extLst>
+              </a:tr>
+              <a:tr h="370840">
+                <a:tc>
+                  <a:txBody>
+                    <a:bodyPr/>
+                    <a:lstStyle/>
+                    <a:p>
+                      <a:r>
+                        <a:rPr lang="es-MX" dirty="0"/>
+                        <a:t>Costo base</a:t>
+                      </a:r>
+                      <a:endParaRPr lang="en-US" dirty="0"/>
+                    </a:p>
+                  </a:txBody>
+                  <a:tcPr/>
+                </a:tc>
+                <a:tc>
+                  <a:txBody>
+                    <a:bodyPr/>
+                    <a:lstStyle/>
+                    <a:p>
+                      <a:pPr algn="ctr"/>
+                      <a:r>
+                        <a:rPr lang="es-MX" dirty="0"/>
+                        <a:t>$50.00</a:t>
+                      </a:r>
+                      <a:endParaRPr lang="en-US" dirty="0"/>
+                    </a:p>
+                  </a:txBody>
+                  <a:tcPr/>
+                </a:tc>
+                <a:tc>
+                  <a:txBody>
+                    <a:bodyPr/>
+                    <a:lstStyle/>
+                    <a:p>
+                      <a:pPr algn="ctr"/>
+                      <a:r>
+                        <a:rPr lang="es-MX" dirty="0"/>
+                        <a:t>$70.00</a:t>
+                      </a:r>
+                      <a:endParaRPr lang="en-US" dirty="0"/>
+                    </a:p>
+                  </a:txBody>
+                  <a:tcPr/>
+                </a:tc>
+                <a:extLst>
+                  <a:ext uri="{0D108BD9-81ED-4DB2-BD59-A6C34878D82A}">
+                    <a16:rowId xmlns:a16="http://schemas.microsoft.com/office/drawing/2014/main" val="2255697711"/>
+                  </a:ext>
+                </a:extLst>
+              </a:tr>
+              <a:tr h="370840">
+                <a:tc>
+                  <a:txBody>
+                    <a:bodyPr/>
+                    <a:lstStyle/>
+                    <a:p>
+                      <a:r>
+                        <a:rPr lang="es-MX" dirty="0"/>
+                        <a:t>Agrandar la bebida (</a:t>
+                      </a:r>
+                      <a:r>
+                        <a:rPr lang="es-MX" dirty="0" err="1"/>
+                        <a:t>Venti</a:t>
+                      </a:r>
+                      <a:r>
+                        <a:rPr lang="es-MX" dirty="0"/>
+                        <a:t>)?</a:t>
+                      </a:r>
+                      <a:endParaRPr lang="en-US" dirty="0"/>
+                    </a:p>
+                  </a:txBody>
+                  <a:tcPr/>
+                </a:tc>
+                <a:tc>
+                  <a:txBody>
+                    <a:bodyPr/>
+                    <a:lstStyle/>
+                    <a:p>
+                      <a:pPr algn="ctr"/>
+                      <a:r>
+                        <a:rPr lang="es-MX" dirty="0"/>
+                        <a:t>+ 20%</a:t>
+                      </a:r>
+                      <a:endParaRPr lang="en-US" dirty="0"/>
+                    </a:p>
+                  </a:txBody>
+                  <a:tcPr/>
+                </a:tc>
+                <a:tc>
+                  <a:txBody>
+                    <a:bodyPr/>
+                    <a:lstStyle/>
+                    <a:p>
+                      <a:pPr algn="ctr"/>
+                      <a:r>
+                        <a:rPr lang="es-MX" dirty="0"/>
+                        <a:t>+ 25%</a:t>
+                      </a:r>
+                      <a:endParaRPr lang="en-US" dirty="0"/>
+                    </a:p>
+                  </a:txBody>
+                  <a:tcPr/>
+                </a:tc>
+                <a:extLst>
+                  <a:ext uri="{0D108BD9-81ED-4DB2-BD59-A6C34878D82A}">
+                    <a16:rowId xmlns:a16="http://schemas.microsoft.com/office/drawing/2014/main" val="3741595313"/>
+                  </a:ext>
+                </a:extLst>
+              </a:tr>
+              <a:tr h="370840">
+                <a:tc>
+                  <a:txBody>
+                    <a:bodyPr/>
+                    <a:lstStyle/>
+                    <a:p>
+                      <a:r>
+                        <a:rPr lang="es-MX" dirty="0"/>
+                        <a:t>Con crema batida?</a:t>
+                      </a:r>
+                      <a:endParaRPr lang="en-US" dirty="0"/>
+                    </a:p>
+                  </a:txBody>
+                  <a:tcPr/>
+                </a:tc>
+                <a:tc>
+                  <a:txBody>
+                    <a:bodyPr/>
+                    <a:lstStyle/>
+                    <a:p>
+                      <a:pPr algn="ctr"/>
+                      <a:r>
+                        <a:rPr lang="es-MX" dirty="0"/>
+                        <a:t>$10.00</a:t>
+                      </a:r>
+                      <a:endParaRPr lang="en-US" dirty="0"/>
+                    </a:p>
+                  </a:txBody>
+                  <a:tcPr/>
+                </a:tc>
+                <a:tc>
+                  <a:txBody>
+                    <a:bodyPr/>
+                    <a:lstStyle/>
+                    <a:p>
+                      <a:pPr algn="ctr"/>
+                      <a:r>
+                        <a:rPr lang="es-MX" dirty="0"/>
+                        <a:t>$10.00</a:t>
+                      </a:r>
+                      <a:endParaRPr lang="en-US" dirty="0"/>
+                    </a:p>
+                  </a:txBody>
+                  <a:tcPr/>
+                </a:tc>
+                <a:extLst>
+                  <a:ext uri="{0D108BD9-81ED-4DB2-BD59-A6C34878D82A}">
+                    <a16:rowId xmlns:a16="http://schemas.microsoft.com/office/drawing/2014/main" val="3190438695"/>
+                  </a:ext>
+                </a:extLst>
+              </a:tr>
+              <a:tr h="370840">
+                <a:tc>
+                  <a:txBody>
+                    <a:bodyPr/>
+                    <a:lstStyle/>
+                    <a:p>
+                      <a:r>
+                        <a:rPr lang="es-MX" dirty="0"/>
+                        <a:t>Con popote de galleta?</a:t>
+                      </a:r>
+                      <a:endParaRPr lang="en-US" dirty="0"/>
+                    </a:p>
+                  </a:txBody>
+                  <a:tcPr/>
+                </a:tc>
+                <a:tc>
+                  <a:txBody>
+                    <a:bodyPr/>
+                    <a:lstStyle/>
+                    <a:p>
+                      <a:pPr algn="ctr"/>
+                      <a:r>
+                        <a:rPr lang="es-MX" dirty="0"/>
+                        <a:t>N/A</a:t>
+                      </a:r>
+                      <a:endParaRPr lang="en-US" dirty="0"/>
+                    </a:p>
+                  </a:txBody>
+                  <a:tcPr/>
+                </a:tc>
+                <a:tc>
+                  <a:txBody>
+                    <a:bodyPr/>
+                    <a:lstStyle/>
+                    <a:p>
+                      <a:pPr algn="ctr"/>
+                      <a:r>
+                        <a:rPr lang="es-MX" dirty="0"/>
+                        <a:t>$20.00</a:t>
+                      </a:r>
+                      <a:endParaRPr lang="en-US" dirty="0"/>
+                    </a:p>
+                  </a:txBody>
+                  <a:tcPr/>
+                </a:tc>
+                <a:extLst>
+                  <a:ext uri="{0D108BD9-81ED-4DB2-BD59-A6C34878D82A}">
+                    <a16:rowId xmlns:a16="http://schemas.microsoft.com/office/drawing/2014/main" val="869728350"/>
+                  </a:ext>
+                </a:extLst>
+              </a:tr>
+            </a:tbl>
+          </a:graphicData>
+        </a:graphic>
+      </p:graphicFrame>
+    </p:spTree>
+    <p:extLst>
+      <p:ext uri="{BB962C8B-B14F-4D97-AF65-F5344CB8AC3E}">
+        <p14:creationId xmlns:p14="http://schemas.microsoft.com/office/powerpoint/2010/main" val="417363472"/>
+      </p:ext>
+    </p:extLst>
+  </p:cSld>
+  <p:clrMapOvr>
+    <a:masterClrMapping/>
+  </p:clrMapOvr>
+</p:sld>
+</file>
+
+<file path=ppt/slides/slide37.xml><?xml version="1.0" encoding="utf-8"?>
+<p:sld xmlns:a="http://schemas.openxmlformats.org/drawingml/2006/main" xmlns:r="http://schemas.openxmlformats.org/officeDocument/2006/relationships" xmlns:p="http://schemas.openxmlformats.org/presentationml/2006/main">
+  <p:cSld>
+    <p:spTree>
+      <p:nvGrpSpPr>
+        <p:cNvPr id="1" name=""/>
+        <p:cNvGrpSpPr/>
+        <p:nvPr/>
+      </p:nvGrpSpPr>
+      <p:grpSpPr>
+        <a:xfrm>
+          <a:off x="0" y="0"/>
+          <a:ext cx="0" cy="0"/>
+          <a:chOff x="0" y="0"/>
+          <a:chExt cx="0" cy="0"/>
+        </a:xfrm>
+      </p:grpSpPr>
+      <p:sp>
+        <p:nvSpPr>
+          <p:cNvPr id="2" name="Title 1">
+            <a:extLst>
+              <a:ext uri="{FF2B5EF4-FFF2-40B4-BE49-F238E27FC236}">
+                <a16:creationId xmlns:a16="http://schemas.microsoft.com/office/drawing/2014/main" id="{48B60798-2429-43F8-85CA-D59994F369D9}"/>
+              </a:ext>
+            </a:extLst>
+          </p:cNvPr>
+          <p:cNvSpPr>
+            <a:spLocks noGrp="1"/>
+          </p:cNvSpPr>
+          <p:nvPr>
+            <p:ph type="title"/>
+          </p:nvPr>
+        </p:nvSpPr>
+        <p:spPr/>
+        <p:txBody>
+          <a:bodyPr/>
+          <a:lstStyle/>
+          <a:p>
+            <a:r>
+              <a:rPr lang="en-US" dirty="0" err="1"/>
+              <a:t>Ejercicio</a:t>
+            </a:r>
+            <a:r>
+              <a:rPr lang="en-US" dirty="0"/>
+              <a:t> </a:t>
+            </a:r>
+            <a:r>
+              <a:rPr lang="en-US" dirty="0" err="1"/>
+              <a:t>en</a:t>
+            </a:r>
+            <a:r>
+              <a:rPr lang="en-US" dirty="0"/>
+              <a:t> </a:t>
+            </a:r>
+            <a:r>
+              <a:rPr lang="en-US" dirty="0" err="1"/>
+              <a:t>Progranimate</a:t>
+            </a:r>
+            <a:endParaRPr lang="en-US" dirty="0"/>
           </a:p>
         </p:txBody>
       </p:sp>
     </p:spTree>
     <p:extLst>
       <p:ext uri="{BB962C8B-B14F-4D97-AF65-F5344CB8AC3E}">
-        <p14:creationId xmlns:p14="http://schemas.microsoft.com/office/powerpoint/2010/main" val="417363472"/>
+        <p14:creationId xmlns:p14="http://schemas.microsoft.com/office/powerpoint/2010/main" val="3298282515"/>
       </p:ext>
     </p:extLst>
   </p:cSld>
